--- a/2018/Juventude/New/Instagram/Status/Renúncia.pptx
+++ b/2018/Juventude/New/Instagram/Status/Renúncia.pptx
@@ -243,7 +243,7 @@
           <a:p>
             <a:fld id="{39B8030E-A876-4898-B13D-BFEB578B466E}" type="datetimeFigureOut">
               <a:rPr lang="pt-BR" smtClean="0"/>
-              <a:t>31/07/2018</a:t>
+              <a:t>02/08/2018</a:t>
             </a:fld>
             <a:endParaRPr lang="pt-BR"/>
           </a:p>
@@ -413,7 +413,7 @@
           <a:p>
             <a:fld id="{39B8030E-A876-4898-B13D-BFEB578B466E}" type="datetimeFigureOut">
               <a:rPr lang="pt-BR" smtClean="0"/>
-              <a:t>31/07/2018</a:t>
+              <a:t>02/08/2018</a:t>
             </a:fld>
             <a:endParaRPr lang="pt-BR"/>
           </a:p>
@@ -593,7 +593,7 @@
           <a:p>
             <a:fld id="{39B8030E-A876-4898-B13D-BFEB578B466E}" type="datetimeFigureOut">
               <a:rPr lang="pt-BR" smtClean="0"/>
-              <a:t>31/07/2018</a:t>
+              <a:t>02/08/2018</a:t>
             </a:fld>
             <a:endParaRPr lang="pt-BR"/>
           </a:p>
@@ -763,7 +763,7 @@
           <a:p>
             <a:fld id="{39B8030E-A876-4898-B13D-BFEB578B466E}" type="datetimeFigureOut">
               <a:rPr lang="pt-BR" smtClean="0"/>
-              <a:t>31/07/2018</a:t>
+              <a:t>02/08/2018</a:t>
             </a:fld>
             <a:endParaRPr lang="pt-BR"/>
           </a:p>
@@ -1007,7 +1007,7 @@
           <a:p>
             <a:fld id="{39B8030E-A876-4898-B13D-BFEB578B466E}" type="datetimeFigureOut">
               <a:rPr lang="pt-BR" smtClean="0"/>
-              <a:t>31/07/2018</a:t>
+              <a:t>02/08/2018</a:t>
             </a:fld>
             <a:endParaRPr lang="pt-BR"/>
           </a:p>
@@ -1239,7 +1239,7 @@
           <a:p>
             <a:fld id="{39B8030E-A876-4898-B13D-BFEB578B466E}" type="datetimeFigureOut">
               <a:rPr lang="pt-BR" smtClean="0"/>
-              <a:t>31/07/2018</a:t>
+              <a:t>02/08/2018</a:t>
             </a:fld>
             <a:endParaRPr lang="pt-BR"/>
           </a:p>
@@ -1606,7 +1606,7 @@
           <a:p>
             <a:fld id="{39B8030E-A876-4898-B13D-BFEB578B466E}" type="datetimeFigureOut">
               <a:rPr lang="pt-BR" smtClean="0"/>
-              <a:t>31/07/2018</a:t>
+              <a:t>02/08/2018</a:t>
             </a:fld>
             <a:endParaRPr lang="pt-BR"/>
           </a:p>
@@ -1724,7 +1724,7 @@
           <a:p>
             <a:fld id="{39B8030E-A876-4898-B13D-BFEB578B466E}" type="datetimeFigureOut">
               <a:rPr lang="pt-BR" smtClean="0"/>
-              <a:t>31/07/2018</a:t>
+              <a:t>02/08/2018</a:t>
             </a:fld>
             <a:endParaRPr lang="pt-BR"/>
           </a:p>
@@ -1819,7 +1819,7 @@
           <a:p>
             <a:fld id="{39B8030E-A876-4898-B13D-BFEB578B466E}" type="datetimeFigureOut">
               <a:rPr lang="pt-BR" smtClean="0"/>
-              <a:t>31/07/2018</a:t>
+              <a:t>02/08/2018</a:t>
             </a:fld>
             <a:endParaRPr lang="pt-BR"/>
           </a:p>
@@ -2096,7 +2096,7 @@
           <a:p>
             <a:fld id="{39B8030E-A876-4898-B13D-BFEB578B466E}" type="datetimeFigureOut">
               <a:rPr lang="pt-BR" smtClean="0"/>
-              <a:t>31/07/2018</a:t>
+              <a:t>02/08/2018</a:t>
             </a:fld>
             <a:endParaRPr lang="pt-BR"/>
           </a:p>
@@ -2353,7 +2353,7 @@
           <a:p>
             <a:fld id="{39B8030E-A876-4898-B13D-BFEB578B466E}" type="datetimeFigureOut">
               <a:rPr lang="pt-BR" smtClean="0"/>
-              <a:t>31/07/2018</a:t>
+              <a:t>02/08/2018</a:t>
             </a:fld>
             <a:endParaRPr lang="pt-BR"/>
           </a:p>
@@ -2566,7 +2566,7 @@
           <a:p>
             <a:fld id="{39B8030E-A876-4898-B13D-BFEB578B466E}" type="datetimeFigureOut">
               <a:rPr lang="pt-BR" smtClean="0"/>
-              <a:t>31/07/2018</a:t>
+              <a:t>02/08/2018</a:t>
             </a:fld>
             <a:endParaRPr lang="pt-BR"/>
           </a:p>
